--- a/Oper Frankfurt/Program/Verdi-Don Carlo (2023.10.07)/Verdi-Don Carlo.pptx
+++ b/Oper Frankfurt/Program/Verdi-Don Carlo (2023.10.07)/Verdi-Don Carlo.pptx
@@ -111,21 +111,6 @@
     </a:lvl9pPr>
   </p:defaultTextStyle>
   <p:extLst>
-    <p:ext uri="{521415D9-36F7-43E2-AB2F-B90AF26B5E84}">
-      <p14:sectionLst xmlns:p14="http://schemas.microsoft.com/office/powerpoint/2010/main">
-        <p14:section name="Das schlaue Füchslein (2023.06.04)" id="{9682E03C-7ED9-4DA8-8CF8-FC66DB0701FF}">
-          <p14:sldIdLst>
-            <p14:sldId id="379"/>
-            <p14:sldId id="388"/>
-            <p14:sldId id="389"/>
-            <p14:sldId id="386"/>
-          </p14:sldIdLst>
-        </p14:section>
-        <p14:section name="Default Section" id="{8B98122E-AF1A-6347-A4C3-B2F911AD956D}">
-          <p14:sldIdLst/>
-        </p14:section>
-      </p14:sectionLst>
-    </p:ext>
     <p:ext uri="{EFAFB233-063F-42B5-8137-9DF3F51BA10A}">
       <p15:sldGuideLst xmlns:p15="http://schemas.microsoft.com/office/powerpoint/2012/main">
         <p15:guide id="1" orient="horz" pos="2160" userDrawn="1">
